--- a/quiz/quiz.pptx
+++ b/quiz/quiz.pptx
@@ -200,7 +200,7 @@
           <a:p>
             <a:fld id="{849B0CD4-3592-436C-B1C9-46B457C435F0}" type="datetimeFigureOut">
               <a:rPr lang="es-CO" smtClean="0"/>
-              <a:t>24/08/2022</a:t>
+              <a:t>5/10/2022</a:t>
             </a:fld>
             <a:endParaRPr lang="es-CO"/>
           </a:p>
@@ -683,7 +683,7 @@
           <a:p>
             <a:fld id="{A6E8B2A0-831B-4236-AA5A-A309BC7583FE}" type="datetimeFigureOut">
               <a:rPr lang="es-CO" smtClean="0"/>
-              <a:t>24/08/2022</a:t>
+              <a:t>5/10/2022</a:t>
             </a:fld>
             <a:endParaRPr lang="es-CO"/>
           </a:p>
@@ -860,7 +860,7 @@
           <a:p>
             <a:fld id="{A6E8B2A0-831B-4236-AA5A-A309BC7583FE}" type="datetimeFigureOut">
               <a:rPr lang="es-CO" smtClean="0"/>
-              <a:t>24/08/2022</a:t>
+              <a:t>5/10/2022</a:t>
             </a:fld>
             <a:endParaRPr lang="es-CO"/>
           </a:p>
@@ -1040,7 +1040,7 @@
           <a:p>
             <a:fld id="{A6E8B2A0-831B-4236-AA5A-A309BC7583FE}" type="datetimeFigureOut">
               <a:rPr lang="es-CO" smtClean="0"/>
-              <a:t>24/08/2022</a:t>
+              <a:t>5/10/2022</a:t>
             </a:fld>
             <a:endParaRPr lang="es-CO"/>
           </a:p>
@@ -1210,7 +1210,7 @@
           <a:p>
             <a:fld id="{A6E8B2A0-831B-4236-AA5A-A309BC7583FE}" type="datetimeFigureOut">
               <a:rPr lang="es-CO" smtClean="0"/>
-              <a:t>24/08/2022</a:t>
+              <a:t>5/10/2022</a:t>
             </a:fld>
             <a:endParaRPr lang="es-CO"/>
           </a:p>
@@ -1456,7 +1456,7 @@
           <a:p>
             <a:fld id="{A6E8B2A0-831B-4236-AA5A-A309BC7583FE}" type="datetimeFigureOut">
               <a:rPr lang="es-CO" smtClean="0"/>
-              <a:t>24/08/2022</a:t>
+              <a:t>5/10/2022</a:t>
             </a:fld>
             <a:endParaRPr lang="es-CO"/>
           </a:p>
@@ -1688,7 +1688,7 @@
           <a:p>
             <a:fld id="{A6E8B2A0-831B-4236-AA5A-A309BC7583FE}" type="datetimeFigureOut">
               <a:rPr lang="es-CO" smtClean="0"/>
-              <a:t>24/08/2022</a:t>
+              <a:t>5/10/2022</a:t>
             </a:fld>
             <a:endParaRPr lang="es-CO"/>
           </a:p>
@@ -2055,7 +2055,7 @@
           <a:p>
             <a:fld id="{A6E8B2A0-831B-4236-AA5A-A309BC7583FE}" type="datetimeFigureOut">
               <a:rPr lang="es-CO" smtClean="0"/>
-              <a:t>24/08/2022</a:t>
+              <a:t>5/10/2022</a:t>
             </a:fld>
             <a:endParaRPr lang="es-CO"/>
           </a:p>
@@ -2173,7 +2173,7 @@
           <a:p>
             <a:fld id="{A6E8B2A0-831B-4236-AA5A-A309BC7583FE}" type="datetimeFigureOut">
               <a:rPr lang="es-CO" smtClean="0"/>
-              <a:t>24/08/2022</a:t>
+              <a:t>5/10/2022</a:t>
             </a:fld>
             <a:endParaRPr lang="es-CO"/>
           </a:p>
@@ -2268,7 +2268,7 @@
           <a:p>
             <a:fld id="{A6E8B2A0-831B-4236-AA5A-A309BC7583FE}" type="datetimeFigureOut">
               <a:rPr lang="es-CO" smtClean="0"/>
-              <a:t>24/08/2022</a:t>
+              <a:t>5/10/2022</a:t>
             </a:fld>
             <a:endParaRPr lang="es-CO"/>
           </a:p>
@@ -2545,7 +2545,7 @@
           <a:p>
             <a:fld id="{A6E8B2A0-831B-4236-AA5A-A309BC7583FE}" type="datetimeFigureOut">
               <a:rPr lang="es-CO" smtClean="0"/>
-              <a:t>24/08/2022</a:t>
+              <a:t>5/10/2022</a:t>
             </a:fld>
             <a:endParaRPr lang="es-CO"/>
           </a:p>
@@ -2798,7 +2798,7 @@
           <a:p>
             <a:fld id="{A6E8B2A0-831B-4236-AA5A-A309BC7583FE}" type="datetimeFigureOut">
               <a:rPr lang="es-CO" smtClean="0"/>
-              <a:t>24/08/2022</a:t>
+              <a:t>5/10/2022</a:t>
             </a:fld>
             <a:endParaRPr lang="es-CO"/>
           </a:p>
@@ -3011,7 +3011,7 @@
           <a:p>
             <a:fld id="{A6E8B2A0-831B-4236-AA5A-A309BC7583FE}" type="datetimeFigureOut">
               <a:rPr lang="es-CO" smtClean="0"/>
-              <a:t>24/08/2022</a:t>
+              <a:t>5/10/2022</a:t>
             </a:fld>
             <a:endParaRPr lang="es-CO"/>
           </a:p>
@@ -3724,16 +3724,16 @@
   <p:tag name="ISPRING_OUTPUT_FOLDER" val="[[&quot;\uFFFDE\uFFFD~{345E2831-AB48-468F-A634-CCEC07F20C9D}&quot;,&quot;C:\\Users\\Edison\\Documents\\Proyectos\\ansiedad\\quiz&quot;]]"/>
   <p:tag name="ISPRING_PUBLISH_SETTINGS" val="{&quot;commonSettings&quot;:{&quot;webSettings&quot;:{&quot;useMobileViewer&quot;:&quot;T_FALSE&quot;},&quot;lmsSettings&quot;:{&quot;useMobileViewer&quot;:&quot;T_FALSE&quot;},&quot;cloudSettings&quot;:{&quot;useMobileViewer&quot;:&quot;T_FALSE&quot;},&quot;ispringLmsSettings&quot;:{&quot;useMobileViewer&quot;:&quot;T_FALSE&quot;},&quot;playerId&quot;:&quot;universal&quot;,&quot;studioSettings&quot;:{&quot;useMobileViewer&quot;:&quot;T_FALSE&quot;}},&quot;advancedSettings&quot;:{&quot;enableTextAllocation&quot;:&quot;T_TRUE&quot;,&quot;viewingFromLocalDrive&quot;:&quot;T_TRUE&quot;,&quot;contentScale&quot;:75,&quot;contentScaleMode&quot;:&quot;SCALE&quot;},&quot;accessibilitySettings&quot;:{&quot;enabled&quot;:&quot;T_FALSE&quot;},&quot;compressionSettings&quot;:{&quot;imageSettings&quot;:{&quot;jpegQuality&quot;:70,&quot;optimizeImageForResolution&quot;:&quot;T_FALSE&quot;},&quot;audioQuality&quot;:70,&quot;videoQuality&quot;:65},&quot;protectionSettings&quot;:{&quot;watermarkEnabled&quot;:&quot;T_FALSE&quot;,&quot;watermarkPosition&quot;:&quot;MIDDLE_CENTER&quot;,&quot;openWatermarkUrl&quot;:&quot;T_FALSE&quot;,&quot;openWatermarkWebPageInNewWindow&quot;:&quot;T_FALSE&quot;,&quot;displayAfterEnabled&quot;:&quot;T_FALSE&quot;,&quot;displayUntilEnabled&quot;:&quot;T_FALSE&quot;,&quot;domainRestrictionEnabled&quot;:&quot;T_FALSE&quot;,&quot;enablePassword&quot;:&quot;T_FALSE&quot;},&quot;videoSettings&quot;:{&quot;videoCompressionSettings&quot;:{&quot;audioQuality&quot;:70,&quot;videoQuality&quot;:75},&quot;secondsOnEachSlide&quot;:5,&quot;hostingSettings&quot;:{}},&quot;ispringOnlineSettings&quot;:{&quot;onlineDestinationFolderId&quot;:&quot;1&quot;},&quot;cloudSettings&quot;:{&quot;onlineDestinationFolderId&quot;:&quot;1&quot;},&quot;wordSettings&quot;:{&quot;printCopies&quot;:1},&quot;studioSettings&quot;:{&quot;onlineDestinationFolderId&quot;:&quot;1&quot;}}"/>
   <p:tag name="ISPRING_SCORM_RATE_SLIDES" val="0"/>
-  <p:tag name="ISPRING_SCORM_RATE_QUIZZES" val="0"/>
-  <p:tag name="ISPRING_SCORM_PASSING_SCORE" val="0.000000"/>
   <p:tag name="ISPRING_CURRENT_PLAYER_ID" val="universal"/>
   <p:tag name="ISPRING_PRESENTATION_TITLE" val="quiz"/>
   <p:tag name="ISPRING_FIRST_PUBLISH" val="1"/>
   <p:tag name="ISPRING_PLAYERS_CUSTOMIZATION_2" val="UEsDBBQAAgAIAKJNRFI2YVgCRwMAAOEJAAAUAAAAdW5pdmVyc2FsL3BsYXllci54bWytVl1P2zAUfS4S/yHyO3FLxwYoATEktIcxIXVse6vc5DbxmtiZ7RC6X78b5zukbEir1Cq5vuf4fhxf17t+ThPnCZTmUvhk4c6JAyKQIReRTx6/3p2ck+ur4yMvS9gelMNDn+SClwCWECcEHSieGQQ/MBP7pGdwkZk4meJScbP3yXKO3O1Oyzk5Ppqhi9A+iY3JLiktisLlGhEi0jLJSxLtBjKlmQINwoCiVRjEabCX5u9o/KZSULPPQPeQmXn7xjVJy/Gs+YCkWLpSRfR0Pl/QH/efV0EMKTvhQhsmAiAOVnJmS7lhwe5ehnkCurTNvCrIFRhTBmFtM89c8sW5cLQKfFI5rFPQmkWg3UREhLZ+DWdDUGEa65qJcC3YE49Ymdta1162RR2JjqUyQW5q9A72G8lUuG7tPX+PTkTsbROm45pPD3Kx/DteJ2P91uX7ZCw2o3yTcB3jUh/SWaeToMNdvdTW2Mr2sZHtXclEHAW/cq4gtK/f2hMwX5Bqw1bmNk5XFwEu4NMdC4xU+1uEoXRr2bitUtxKKa4FtRxuu/uqoyBNtltgJlfQlGrmPfEQ5BemlO3XlVE5eHRkrLF0CPZolXLdpK4hXmzS5OwfelP6jVrzU7/WGQv4H435hERtTbgI4fmOo4+BFGtqAItd2lyTJW65ZxeTzjdp7zANTN1JwKZgIo5hKgI8+yEzjHZ2eggKiml0CXI1wvYWDoJjHsUJfs0kw3j1IE3K1G6SobdwEJzIYDcBbc0HgRslC8xQ51mGA+Bl8V6utx2h45aMdNmK0aMT49ALcm1kyn9bpQ/mpLm0kn7l9B4fOYc+Degm4y3kw/w1xGgSDOJq5sL2NQKcC08citWA56S2uhkO8YlZXz6NBnxpeihnTDOdS8M6qyzjOQ4mzyqv5hzn2cgnhC3LE3PbT2h4eVjoKOHpe2OK6zueVVms+G9wCh6Wfw0WSyy1E0Opd5+8P1/2GFCLOBkH21vToR23UjR1cF1q36pf247mhqq1UsnskKS8uhcVppoHH1GOkZK5CEcCsA2r6XWC8/hGAXMS2GJGi1M8HjLzyTt8qHO+OLvoUv6wuGiwNq6HauMqljdcR3XAnfxofZDaRLx6ruHjH1BLAwQUAAIACAAOpP1UnF4yCBQGAAA3FwAAHQAAAHVuaXZlcnNhbC9jb21tb25fbWVzc2FnZXMubG5nrVjbbuM2EH0vsP9AGAjQAtvsboFdFEXiBS0xsRBZ9Ep0vGlRCIxE20Qk0dXFifvUr+mH9Us6pGTH3gskJXmwYVGeM0PynJkhzz4+pAnaiLyQKjsfvDt9O0Aii1Qss+X5YMYufv51gIqSZzFPVCbOB5kaoI/DVz+cJTxbVnwp4PerHxA6S0VRwGMx1E+Pz0jG54PpKMSWRYLAGbkkxDPboaGHfR8zh3qhi0fEHQxxFUuFMp7nvIRgzt40CO2AUxffED8MLAKgGpqyMJhNp9RnxB4M2UqgQqZVYnCRLFCmSlRU67XKSxEjmaES/sKjCDzIW5nIcotSFYseIQRXjheCezO/ZthxHXYTTqhNBkOS8dsEwohyITKUCx6L/Dk+POpPsNuA27J4IfSpTwLiMVjM6ZgyOhhOc1GIrAS49UqVqg+e69gQZ0gvQovOPDYYBomMBTr5NCOB2XdvNhkR/wSpBTphlMF0dq+Ckx6OrsHPN+h0Dc6eRqc5hgWYYP+qXhPLJzBgh3OHjQdDC1ZXk+Zeliskg3UOQkFiw5OqZlcjpTZ3I2xdhYyGeDoNRzPGHuMe8eiuzdqikyn2bkKXXtJw5FxCWCpd82yLXLVUP/7y4cPDu/cffuoFEwCf3GMgZJDev+0A5DGfuiGgETf0yGfYbf3dz47OmOt4wOfmRz9roO418BW+W+1mvg8kbxjqBCZf6LVwickXN6pCK74RqFRoI8W9yQ4gApmDxAyH4UWkYCCrWhVm0wkGEoGumO9YmqAgBJXn29d10qnKlcrBXYHiWsWx8alZpd+va/3V3FI6UUH6ilXKZXba7nruuRTbhmQTYDe+hMVl+0kB0hG8ofRGy+Y1uLjPEsVjtICUgiQNEF+vExk1KbTh/TTh29YofDx3vEsgO3UDSF/2bkQnxRjZOdeT7Yni44D4AJDzQuRPsA0N1405wknSD2HsXI5d+DAdwlguVwl8yr5xTAkwYSpaM0WTjnEQzKlv60XT2ZijNS+Ke5XHRyw93M82YMezKAjBYgfgulTugYEfElqBPBdR2Q4GUWLD70ZXMFUgYMhMMtCSSquiBNmk60SUwkQr9VR4ZCh1KxYK9JUIvqm5D96N2Fpp7uKZZ43DEdunUJdXWbTqaAfi/KY+DtVQAU0OOd8aU4MWjuhnyC6QDGkfC3oFOfCqj8UNCWCRSdBm4+Fr57Iuk5D3dklpl/QirnNMsm1aIc2mjVRVASN6SSA1mR0pTvu5CQjUdY852P1Obq1Rd33YUm6giQECirzVEaR7i9haVJ9mzu/hBXZcU6m/pB7fmp6PxxueRQLIFnG9p1t4F8vYvNO0N/7/quTfiJdNqj9pqoRnk88nfeM5KizfUQQvS5GuyzbXesGa8J8ShZb4d0PoMvWn+d+35C+yMwdN/LP35+iw0GePWoN45kp1362XjqTp/Ak0LLo4Qo+RdLcaa7cjh+qK2H7ueLRzvIujY4aTLVR3a482AJ5CT8UIxrDGJvIAWp0UqlB3W3P2OAzfnDq628/JKHAYVJ25uC1k2erZ6LlzfTVyfnphPehZj4oNc5gLIXsAuNwfqROZQvxxB8zZhOxWoC4RRzOZqyqJjfwTeWfKBKxtlYqvu+FFrlIzmvBiR/+6TH18ThT15Pza6bRHP7VXcOf9ORDw03cpINiHNsbCnqV7H0urPeloBPLRS+GyYNc6gY5SXkYrKMcLVWVxR6D6CGaTCwxgzZwDwfP2LqwB+CKMehQ1o7/1AtEdHSRRsgf7w1OlKP7sDaKnsceoLy9K8VC2A81GhkVBSC8uoJNbLNosGB4dh2weulg1R+WdXceTM3OA/S9yJOV1UUxVCkOn7X6Zvq4zZMGMYWs8Af0FRm6qyqHp7IOwo5tFZz4c6RrlWgAEDQSTZSIQeeBab31Q9cUPZGZzSBsMJzy/g7TOlEp6xWY2UMup7DenxzuQqkxk1ivy5xVVPWHmTENs2+ZCCFYSzvt3dQ8Rw4Ezam6GErXsDGaNsQdV4ws8EcuyL6BPyP7CR19qmAsEV3F9Uf3fP/+22deXhE1OhrRXPz8mvc3XdXv/VJgr7rM3Bzfe/wNQSwMEFAACAAgADqT9VLay98ilAAAAggEAAC4AAAB1bml2ZXJzYWwvcGxheWJhY2tfYW5kX25hdmlnYXRpb25fc2V0dGluZ3MueG1sdZDBCoMwEETvfoV/UOg5BHoubYX6AyuOEoiJZFfBv28iakubHnfezC47iiFiXM+6KEtFk/inUBAtYYI6vedEmWZcnBlIjHdRFvDmy5GUsN6PVQDDyYp0R5aj/0ffj1eWlmMR7/YMyQdqM0Cfc4GVpJCj2fSrVi8jdBcQD3yJyQdHjcUVS+MptPfDsH38F6ds/GwacPMtNKf2HjOCOn2oRaxs7/0FUEsDBBQAAgAIAA6k/VRZnjCJlQMAAN4QAAAnAAAAdW5pdmVyc2FsL2ZsYXNoX3B1Ymxpc2hpbmdfc2V0dGluZ3MueG1s7VjNchpHEL7zFFOb8tGsZMuxo1pQObBUKEtAaTe2dVINOwM7pfnZzA8Yn/w0frA8SXp2AEMk2yvbJKpKDhRsT/fX33T3dO+QnL0THC2oNkzJTnTcPooQlYUiTM470e/54PGLCBmLJcFcSdqJpIrQWbeVVG7KmSkzai2oGgQw0pxWthOV1lancbxcLtvMVNqvKu4s4Jt2oURcaWqotFTHFccr+LKrippojdAAAD5CybVZt9VCKAlIF4o4ThEjwFwyvynMBxybMoqD2hQXN3OtnCQ9xZVGej7tRD/10v5x/+lGJ0D1maDSx8R0QejF9hQTwjwLzDP2nqKSsnkJdJ+cRGjJiC3rn7HXT+LbKDV22Dr2KD0FMZB2DS+oxQRbHB6DP0vfWbMRBBFZSSxYkcMK8vvvRP38+rerSXp5Phy9us7H4/N8OAkkapt4HyeJ9x0lQEg5XdCtnwRbi4sSeIPNDHNDk3hXtFFjPoO4sGwBMaF/ozlznGeuqpS2XasdrWnsCrf0PgOTzJTc27t/RlPFIbU1KahSMaVkhAXdSXZ2w+QANI8jNIM48VUnGldUogxLKDBmMWfFFsC4qbHM1oU1WGu/1AxzBHhwAii6yKJPFMLOihJrQ3epbVaMT2vRfaMcJ2ilHOLshiKrEITYCfhVUrSbfzTTStRSqFCLDGfgccHokpKzOl5rwM85ugIXwoElHIeKUxs8/OHYezSlM6UBl+IFHB6QMxPw2/cCrrAxn0DxhuOj7HzYT6+Ho3769pHfICYLLIt7gkNNUVHZg+DjFZLKbuwgHAV2htZJIYzUa0321v72NGzLGvL8g7Kxh2+YcBz/SPhtQHagD5jyw3i5T+K/yqCx2xIv6oPuD28NDUecQUoCJiwU0JKYXLfBBoAFlkhJvkK4gM5sfNtYMOUMSEKDCNDm2xkGeyjT+mkO7RM8akJ1I8ij4ydPT579/PzFL6ft+M8PHx9/0Wg9syYce3dhaPW+OLVu2Q6UFr56yI79cJSnly97+fD1ML+6ztO3+T5Azel2u05iP0runix+VD3YwTK5TF83Sc4IItGoLtKsEdy4idb4VROtyzAJJztTsBEF6GzzcFKht3EmGFTCwer0H6q1736LCcV6mFp7yIH73kP6X43bw35tPlDksvRi+Ov4vP//mf23IhiettfPvftmEt95IfYrgkkmIKz+PWV7i+4+OzmCG+ydS60WoO3/J9Ft/QVQSwMEFAACAAgADqT9VHEccSZvAwAAoAwAACEAAAB1bml2ZXJzYWwvZmxhc2hfc2tpbl9zZXR0aW5ncy54bWyVV11v2jAUfe+vQOy9rLQbq5QiUaBSNbZWa9d3h1zAqmNHtkPHv9/1RxIbkpEVVcL3nmPfj+PrNlHvlA/2IBUV/G44Hk4vBoNkXUoJXL9CXjCiYZASBY/Z3fDh92o1HDmIYEK+gNaUb5WxVLYBRWBaai345VpwjftcciFzwobTTw/2JxlZ5DmWwLD6cjZkDc0xX8bf7he9KP6Mm/vJYn7bRViLvCD8sBJbcZmS9ftWipJnJrRr8+mi7Q4FSEb5+9mIGFX6UUMexbS8Wo6X436UQoJSYEK6XczGs69nWYykwOrsJzffbmY9Oc1R/27MEW1PFdWWNhlPric3XbSCbCEu8ny5uFpcd+M57h535Z9xOYKGP/ps5ij+A8j/2lwUZfE/Gimk2JqCHnEm5nOWwwTJ8PohYXFrPmcJJiFz0FlBKkYzbIOQmZPiZ/PpAnfV0n8Nh0Ri7rYU7Nk04Wh6GIWkDKYbwhQko2rpnGonPp5KjbepBoSmBvSMKT6TUsFUy9KjGluD+wUflGcByBsaxJtgZQ5zF3AAjO0Nfj6/t4MljK+2BQFK2HtjEGFjbJA/sa4nyMDYIF9Mu544O5zAjz2OUwninvhuBuV33Kj66AVOcFnVq1pVXnPSylxzFRztDRUmFxlMra5eaQ6ma8nI2lxIo5OYEk72dEs0Pkw/DC492GRUMjpyeKm1CyvRVDNo09talFJhMOh+i6XX4nEU93KomV7BRlfo2Ng0xTwXoRbsuofU/X514dx6oPE1uRvmRL6DfBWCqeHA8/AGYtHdu3zKMPMaX1OQj3wjenK40BDub+PsAgt3B/vCidZkvcsxpK4M6pK6zrY3MPHHtnWWl3kKcomCoFApMrY53I5udwx/9RuFD8hiQofTMfUOt+OE1oIPDF4BQOR6V10Ht3CevGSaMthDNVQCg024K7NEofzb8jXqijUZWHoJ0s+gRighLna0EN4wLhFPs9DRQ/OapMpmFo2Uaro3O0fzvhqTRqzhhLRrr6RoY/S3VRB7FZWTlFq8aCK137RZ+9zJHmac5nYCoSM4vsXjOEyIwpfFOqsynNibEMyrVW+mKkKLp4ti5ux03EaxnuMh+4rXc7qRAOGAtcaL4An4DodUEJn9rCHRm9DidmzMEV9NO6+VqeUT/umZjAKr60/dCfyO/5lM/wJQSwMEFAACAAgADqT9VBi8N4iNAwAAaBAAACYAAAB1bml2ZXJzYWwvaHRtbF9wdWJsaXNoaW5nX3NldHRpbmdzLnhtbO1YW5PSSBR+51d0xfJR4qi76lRgyoVMSTkD1CRe5mmqSTeky75k+wLik7/GH+Yv8XQaEBwcMyrubtU+UKRP9/nO7etzCMnJO8HRnGrDlOxER+37EaKyUITJWSd6mZ/eexIhY7EkmCtJO5FUETrptpLKTTgzZUathaMGAYw0x5XtRKW11XEcLxaLNjOV9ruKOwv4pl0oEVeaGiot1XHF8RK+7LKiJlohNACAj1BypdZttRBKAtK5Io5TxAh4LpkPCvPnVvAoDqcmuHg708pJ0lNcaaRnk050p5f2j/oP12cCUp8JKn1KTBeEXmyPMSHMO4F5xt5TVFI2K8HbB48itGDElvVj7M8n8XWUGjtEjj1KT0EKpF3BC2oxwRaHZbBn6Ttr1oIgIkuJBSty2EE+/E7Uz6+eX47Ti7PB8MVVPhqd5YNxcKLWiXdxknjXUAIOKacLurGTYGtxUYLfoDPF3NAk3hatjzFfQFxYNoec0K/cnDrOM1dVStuu1Y7WbmwLN+59AyaZKrkTu1+jieJQ2dopIKmYUDLEAnIwPpURmkJi+LITjSoqUYYlEIpZzFmx0TBuYiyzNZFOV6efaYY5ArIA4yk6z6IvNkMoRYm1odu+rHeMr2PRfa0cJ2ipHOLsLUVWIcipE/BUUrRdcDTVStRSjo1FhjOwOGd0QclJnaAV4LcMXYIJ4UAT6F9xaoOFvx17jyZ0qjTgUjyHywJyZgJ++1bAFTbmCyhe+3g3Oxv006vBsJ++uesDxGSOZXFLcCARFZU9CD5eIqnsWg/SUWBnaF0Uwki91yS29o+XYcNjqPMvqsYOvmHCcfwr4TcJ2YI+YMkPY+U2hf+uB43NlnheX3R/eWtouOIMShIwYaOAbsXkqu81ACywREryJcIFtGLj28acKWdAEhpEgDY/7mHQB5rWqxnMRrCoCdWNIO8fPXj46I8/Hz95etyOP334eO9GpdWQGnPszYUp1btxTF3TPVVaePaQLf3BME8vnvXywatBfnmVp2/yXYDap+vtOon97Ng/Svxs+nqSTP65UTK+SF81KccQYm/EhDRrBDdqcmr0osmpizD7xltzr5EL0Mtm4W5CN+NMMKj9wZj5m9i194cKu5FegZCHYde/OVV7L+L/qWrMKrOva6GMCuaVflP7OlDWsvR88NforH/Q9LFm+fsPku5n0xdWm/fHnRfGJN77RtsC+e6/A93WZ1BLAwQUAAIACAAOpP1UQV3xOLgBAAB9BgAAHwAAAHVuaXZlcnNhbC9odG1sX3NraW5fc2V0dGluZ3MuanONlE1TgzAQhu/9FR28Oh2lKK23WupMZzw4Y2+Oh0C3lGnIZpJQrY7/XUK/AixaciEvT97Nbsh+9/rl4yVe/6H/Xb1X85f6vNLAakYVcF3XeYeeW93TPFvCIsuBZwK8BrI9Lj3JP2eCMvZEZRrvXq2tdvw8tF9WjGsXl4SFIjRNaFvK8IMAPynwq5baIa19Sk6d48IYFIMEhQFhBgJVzirGu3qqHjfDBoxbUP+gK5ZAzfTOHz1GneTZMXgMo+nY5RLMJRO7Z0xxELNkkyosxPIQf2iHS693ElR54puusDzTZm4gbwae3c78md9NSgVawyHuOJr4k3sS5iwG7iYUBqNg8gdaM24XtEFvM52ZIx364TAMXFqyFFpVms6i22hYx0Tp1apmK/ieM/BpupKRnO1AXWKFspAXHKBUmNqKtNHQDhLlyJaZSPdcNLaD5OxmrW3Xv1G1jEGMann6K27scJlWMWrXDBvXbE3c2ryru1zQGgx5uXUj6jPVFzglUnGR0CS1+NynarsxzVZj529l3kxtQC0Qedk+7amALrsJqLlYoRWYMSxZ56VW5vPudgpy68nFSTb32fv5BVBLAwQUAAIACAAOpP1UlBOzImkAAABuAAAAHAAAAHVuaXZlcnNhbC9sb2NhbF9zZXR0aW5ncy54bWwNzDEOgzAMQNGdU1jeKe3WgcDGVpbSA1jERZEcG5GA4PZk+8PTb/szChy8pWDq8PV4IrDO5oMuDn/TUL8RUib1JKbsUA2h76pWbCb5cs4FJliFLt4mjiUyjxSLHHYRqOFTXv/AHpuuugFQSwMEFAACAAgADqT9VPIaHFLsAAAAsA4AABcAAAB1bml2ZXJzYWwvdW5pdmVyc2FsLnBuZ+sM8HPn5ZLiYmBg4PX0cAliYGBOZGBg6udgA4o8MT1UCaQYi4PcnRjWnZN5CeSwpDv6OjIwbOzn/pPICuRzFnhEFjMw8B0GYcbj+StSgAxXTxfHkIq4t9c38jYYMBww+Ld/E/+XNqMpjRO5NCfrPu2I4WZgaOjhZGZg4JhpAGROIJkp63tDwnmSiuekL6+ufGxhZGDYQKZBo8xR5ihzlDnKHGWOMkeZo8xR5ihzlDnKJJ0ZYJQI6pItuTvn886l7/vUeIBi9T4SDAwOJ0BdtBYSmCnXdjE+O/cvt5HnQRiwl8ng6ernss4poQkAUEsDBBQAAgAIAA6k/VTk7FcMSgAAAGoAAAAbAAAAdW5pdmVyc2FsL3VuaXZlcnNhbC5wbmcueG1ss7GvyM1RKEstKs7Mz7NVMtQzULK34+WyKShKLctMLVeoAIoBBSFASaESyDVCcMszU0oybJUsTJCUZKRmpmeU2CqZGSME9YFGAgBQSwECAAAUAAIACACiTURSNmFYAkcDAADhCQAAFAAAAAAAAAABAAAAAAAAAAAAdW5pdmVyc2FsL3BsYXllci54bWxQSwECAAAUAAIACAAOpP1UnF4yCBQGAAA3FwAAHQAAAAAAAAABAAAAAAB5AwAAdW5pdmVyc2FsL2NvbW1vbl9tZXNzYWdlcy5sbmdQSwECAAAUAAIACAAOpP1UtrL3yKUAAACCAQAALgAAAAAAAAABAAAAAADICQAAdW5pdmVyc2FsL3BsYXliYWNrX2FuZF9uYXZpZ2F0aW9uX3NldHRpbmdzLnhtbFBLAQIAABQAAgAIAA6k/VRZnjCJlQMAAN4QAAAnAAAAAAAAAAEAAAAAALkKAAB1bml2ZXJzYWwvZmxhc2hfcHVibGlzaGluZ19zZXR0aW5ncy54bWxQSwECAAAUAAIACAAOpP1UcRxxJm8DAACgDAAAIQAAAAAAAAABAAAAAACTDgAAdW5pdmVyc2FsL2ZsYXNoX3NraW5fc2V0dGluZ3MueG1sUEsBAgAAFAACAAgADqT9VBi8N4iNAwAAaBAAACYAAAAAAAAAAQAAAAAAQRIAAHVuaXZlcnNhbC9odG1sX3B1Ymxpc2hpbmdfc2V0dGluZ3MueG1sUEsBAgAAFAACAAgADqT9VEFd8Ti4AQAAfQYAAB8AAAAAAAAAAQAAAAAAEhYAAHVuaXZlcnNhbC9odG1sX3NraW5fc2V0dGluZ3MuanNQSwECAAAUAAIACAAOpP1UlBOzImkAAABuAAAAHAAAAAAAAAABAAAAAAAHGAAAdW5pdmVyc2FsL2xvY2FsX3NldHRpbmdzLnhtbFBLAQIAABQAAgAIAA6k/VTyGhxS7AAAALAOAAAXAAAAAAAAAAAAAAAAAKoYAAB1bml2ZXJzYWwvdW5pdmVyc2FsLnBuZ1BLAQIAABQAAgAIAA6k/VTk7FcMSgAAAGoAAAAbAAAAAAAAAAEAAAAAAMsZAAB1bml2ZXJzYWwvdW5pdmVyc2FsLnBuZy54bWxQSwUGAAAAAAoACgAGAwAAThoAAAAA"/>
-  <p:tag name="ISPRING_SCORM_ENDPOINT" val="&lt;endpoint&gt;&lt;enable&gt;0&lt;/enable&gt;&lt;lrs&gt;http://&lt;/lrs&gt;&lt;auth&gt;0&lt;/auth&gt;&lt;login&gt;&lt;/login&gt;&lt;password&gt;&lt;/password&gt;&lt;key&gt;&lt;/key&gt;&lt;name&gt;&lt;/name&gt;&lt;email&gt;&lt;/email&gt;&lt;/endpoint&gt;&#10;"/>
   <p:tag name="ISPRING_SCREEN_RECS_UPDATED" val="C:\Users\Edison\Documents\Proyectos\Ansiedad\quiz\quiz"/>
   <p:tag name="ISPRING_RESOURCE_FOLDER" val="C:\Users\Edison\Documents\Proyectos\Ansiedad\quiz\quiz"/>
   <p:tag name="ISPRING_PRESENTATION_PATH" val="C:\Users\Edison\Documents\Proyectos\Ansiedad\quiz\quiz.pptx"/>
+  <p:tag name="ISPRING_SCORM_RATE_QUIZZES" val="1"/>
+  <p:tag name="ISPRING_SCORM_PASSING_SCORE" val="80.000000"/>
+  <p:tag name="ISPRING_SCORM_ENDPOINT" val="&lt;endpoint&gt;&lt;enable&gt;0&lt;/enable&gt;&lt;lrs&gt;http://&lt;/lrs&gt;&lt;auth&gt;0&lt;/auth&gt;&lt;login&gt;&lt;/login&gt;&lt;password&gt;&lt;/password&gt;&lt;key&gt;&lt;/key&gt;&lt;name&gt;&lt;/name&gt;&lt;email&gt;&lt;/email&gt;&lt;/endpoint&gt;&#10;"/>
 </p:tagLst>
 </file>
 
@@ -3742,9 +3742,9 @@
   <p:tag name="ISPRING_SLIDE_QUIZ_PROPERTIES" val="&lt;QuizProperties&gt;&lt;passAction&gt;&lt;action&gt;3&lt;/action&gt;&lt;/passAction&gt;&lt;failAction&gt;&lt;action&gt;3&lt;/action&gt;&lt;/failAction&gt;&lt;viewSlidesPolicy&gt;0&lt;/viewSlidesPolicy&gt;&lt;allowInterrupt&gt;1&lt;/allowInterrupt&gt;&lt;restartFailedQuiz&gt;0&lt;/restartFailedQuiz&gt;&lt;/QuizProperties&gt;&#10;"/>
   <p:tag name="ISPRING_QUIZ_SHAPES_ADDED" val="1"/>
   <p:tag name="ISPRING_RESOURCE_QUIZ" val="quiz1.quiz"/>
-  <p:tag name="ISPRING_QUIZ_FULL_PATH" val="C:\Users\Edison\Documents\Proyectos\ansiedad\quiz\quiz\quiz\quiz1.quiz"/>
   <p:tag name="ISPRING_QUIZ_RELATIVE_PATH" val="quiz\quiz\quiz1.quiz"/>
   <p:tag name="GENSWF_SLIDE_UID" val="{55C2667F-8CAE-4035-AE54-4E19F26BDDD4}:256"/>
+  <p:tag name="ISPRING_QUIZ_FULL_PATH" val="C:\Users\Edison\Documents\Proyectos\Ansiedad\quiz\quiz\quiz\quiz1.quiz"/>
 </p:tagLst>
 </file>
 
